--- a/src/morea/materials/05-python-input-output.pptx
+++ b/src/morea/materials/05-python-input-output.pptx
@@ -23204,30 +23204,21 @@
                             </p:childTnLst>
                           </p:cTn>
                         </p:par>
-                      </p:childTnLst>
-                    </p:cTn>
-                  </p:par>
-                  <p:par>
-                    <p:cTn id="8" fill="hold">
-                      <p:stCondLst>
-                        <p:cond delay="indefinite"/>
-                      </p:stCondLst>
-                      <p:childTnLst>
                         <p:par>
-                          <p:cTn id="9" fill="hold">
+                          <p:cTn id="8" fill="hold">
                             <p:stCondLst>
-                              <p:cond delay="0"/>
+                              <p:cond delay="500"/>
                             </p:stCondLst>
                             <p:childTnLst>
                               <p:par>
-                                <p:cTn id="10" presetID="21" presetClass="entr" presetSubtype="1" fill="hold" grpId="0" nodeType="clickEffect">
+                                <p:cTn id="9" presetID="21" presetClass="entr" presetSubtype="1" fill="hold" grpId="0" nodeType="afterEffect">
                                   <p:stCondLst>
                                     <p:cond delay="0"/>
                                   </p:stCondLst>
                                   <p:childTnLst>
                                     <p:set>
                                       <p:cBhvr>
-                                        <p:cTn id="11" dur="1" fill="hold">
+                                        <p:cTn id="10" dur="1" fill="hold">
                                           <p:stCondLst>
                                             <p:cond delay="0"/>
                                           </p:stCondLst>
@@ -23245,7 +23236,7 @@
                                     </p:set>
                                     <p:animEffect transition="in" filter="wheel(1)">
                                       <p:cBhvr>
-                                        <p:cTn id="12" dur="500"/>
+                                        <p:cTn id="11" dur="500"/>
                                         <p:tgtEl>
                                           <p:spTgt spid="15"/>
                                         </p:tgtEl>
@@ -24184,348 +24175,9 @@
   <p:timing>
     <p:tnLst>
       <p:par>
-        <p:cTn xmlns:p14="http://schemas.microsoft.com/office/powerpoint/2010/main" id="1" dur="indefinite" restart="never" nodeType="tmRoot">
-          <p:childTnLst>
-            <p:seq concurrent="1" nextAc="seek">
-              <p:cTn id="2" dur="0" nodeType="mainSeq">
-                <p:childTnLst>
-                  <p:par>
-                    <p:cTn id="3" fill="hold">
-                      <p:stCondLst>
-                        <p:cond delay="indefinite"/>
-                      </p:stCondLst>
-                      <p:childTnLst>
-                        <p:par>
-                          <p:cTn id="4" fill="hold">
-                            <p:stCondLst>
-                              <p:cond delay="0"/>
-                            </p:stCondLst>
-                            <p:childTnLst>
-                              <p:par>
-                                <p:cTn id="5" presetID="1" presetClass="entr" presetSubtype="0" fill="hold" nodeType="clickEffect">
-                                  <p:stCondLst>
-                                    <p:cond delay="0"/>
-                                  </p:stCondLst>
-                                  <p:childTnLst>
-                                    <p:set>
-                                      <p:cBhvr>
-                                        <p:cTn id="6" dur="1" fill="hold">
-                                          <p:stCondLst>
-                                            <p:cond delay="0"/>
-                                          </p:stCondLst>
-                                        </p:cTn>
-                                        <p:tgtEl>
-                                          <p:spTgt spid="38915">
-                                            <p:txEl>
-                                              <p:pRg st="2" end="2"/>
-                                            </p:txEl>
-                                          </p:spTgt>
-                                        </p:tgtEl>
-                                        <p:attrNameLst>
-                                          <p:attrName>style.visibility</p:attrName>
-                                        </p:attrNameLst>
-                                      </p:cBhvr>
-                                      <p:to>
-                                        <p:strVal val="visible"/>
-                                      </p:to>
-                                    </p:set>
-                                  </p:childTnLst>
-                                </p:cTn>
-                              </p:par>
-                            </p:childTnLst>
-                          </p:cTn>
-                        </p:par>
-                        <p:par>
-                          <p:cTn id="7" fill="hold">
-                            <p:stCondLst>
-                              <p:cond delay="0"/>
-                            </p:stCondLst>
-                            <p:childTnLst>
-                              <p:par>
-                                <p:cTn id="8" presetID="10" presetClass="entr" presetSubtype="0" fill="hold" grpId="0" nodeType="afterEffect">
-                                  <p:stCondLst>
-                                    <p:cond delay="0"/>
-                                  </p:stCondLst>
-                                  <p:childTnLst>
-                                    <p:set>
-                                      <p:cBhvr>
-                                        <p:cTn id="9" dur="1" fill="hold">
-                                          <p:stCondLst>
-                                            <p:cond delay="0"/>
-                                          </p:stCondLst>
-                                        </p:cTn>
-                                        <p:tgtEl>
-                                          <p:spTgt spid="134150"/>
-                                        </p:tgtEl>
-                                        <p:attrNameLst>
-                                          <p:attrName>style.visibility</p:attrName>
-                                        </p:attrNameLst>
-                                      </p:cBhvr>
-                                      <p:to>
-                                        <p:strVal val="visible"/>
-                                      </p:to>
-                                    </p:set>
-                                    <p:animEffect transition="in" filter="fade">
-                                      <p:cBhvr>
-                                        <p:cTn id="10" dur="500"/>
-                                        <p:tgtEl>
-                                          <p:spTgt spid="134150"/>
-                                        </p:tgtEl>
-                                      </p:cBhvr>
-                                    </p:animEffect>
-                                  </p:childTnLst>
-                                </p:cTn>
-                              </p:par>
-                            </p:childTnLst>
-                          </p:cTn>
-                        </p:par>
-                      </p:childTnLst>
-                    </p:cTn>
-                  </p:par>
-                  <p:par>
-                    <p:cTn id="11" fill="hold">
-                      <p:stCondLst>
-                        <p:cond delay="indefinite"/>
-                      </p:stCondLst>
-                      <p:childTnLst>
-                        <p:par>
-                          <p:cTn id="12" fill="hold">
-                            <p:stCondLst>
-                              <p:cond delay="0"/>
-                            </p:stCondLst>
-                            <p:childTnLst>
-                              <p:par>
-                                <p:cTn id="13" presetID="22" presetClass="entr" presetSubtype="1" fill="hold" grpId="0" nodeType="clickEffect">
-                                  <p:stCondLst>
-                                    <p:cond delay="0"/>
-                                  </p:stCondLst>
-                                  <p:childTnLst>
-                                    <p:set>
-                                      <p:cBhvr>
-                                        <p:cTn id="14" dur="1" fill="hold">
-                                          <p:stCondLst>
-                                            <p:cond delay="0"/>
-                                          </p:stCondLst>
-                                        </p:cTn>
-                                        <p:tgtEl>
-                                          <p:spTgt spid="38919"/>
-                                        </p:tgtEl>
-                                        <p:attrNameLst>
-                                          <p:attrName>style.visibility</p:attrName>
-                                        </p:attrNameLst>
-                                      </p:cBhvr>
-                                      <p:to>
-                                        <p:strVal val="visible"/>
-                                      </p:to>
-                                    </p:set>
-                                    <p:animEffect transition="in" filter="wipe(up)">
-                                      <p:cBhvr>
-                                        <p:cTn id="15" dur="500"/>
-                                        <p:tgtEl>
-                                          <p:spTgt spid="38919"/>
-                                        </p:tgtEl>
-                                      </p:cBhvr>
-                                    </p:animEffect>
-                                  </p:childTnLst>
-                                </p:cTn>
-                              </p:par>
-                            </p:childTnLst>
-                          </p:cTn>
-                        </p:par>
-                        <p:par>
-                          <p:cTn id="16" fill="hold">
-                            <p:stCondLst>
-                              <p:cond delay="500"/>
-                            </p:stCondLst>
-                            <p:childTnLst>
-                              <p:par>
-                                <p:cTn id="17" presetID="10" presetClass="entr" presetSubtype="0" fill="hold" grpId="0" nodeType="afterEffect">
-                                  <p:stCondLst>
-                                    <p:cond delay="0"/>
-                                  </p:stCondLst>
-                                  <p:childTnLst>
-                                    <p:set>
-                                      <p:cBhvr>
-                                        <p:cTn id="18" dur="1" fill="hold">
-                                          <p:stCondLst>
-                                            <p:cond delay="0"/>
-                                          </p:stCondLst>
-                                        </p:cTn>
-                                        <p:tgtEl>
-                                          <p:spTgt spid="38920"/>
-                                        </p:tgtEl>
-                                        <p:attrNameLst>
-                                          <p:attrName>style.visibility</p:attrName>
-                                        </p:attrNameLst>
-                                      </p:cBhvr>
-                                      <p:to>
-                                        <p:strVal val="visible"/>
-                                      </p:to>
-                                    </p:set>
-                                    <p:animEffect transition="in" filter="fade">
-                                      <p:cBhvr>
-                                        <p:cTn id="19" dur="500"/>
-                                        <p:tgtEl>
-                                          <p:spTgt spid="38920"/>
-                                        </p:tgtEl>
-                                      </p:cBhvr>
-                                    </p:animEffect>
-                                  </p:childTnLst>
-                                </p:cTn>
-                              </p:par>
-                              <p:par>
-                                <p:cTn id="20" presetID="1" presetClass="entr" presetSubtype="0" fill="hold" nodeType="withEffect">
-                                  <p:stCondLst>
-                                    <p:cond delay="0"/>
-                                  </p:stCondLst>
-                                  <p:childTnLst>
-                                    <p:set>
-                                      <p:cBhvr>
-                                        <p:cTn id="21" dur="1" fill="hold">
-                                          <p:stCondLst>
-                                            <p:cond delay="0"/>
-                                          </p:stCondLst>
-                                        </p:cTn>
-                                        <p:tgtEl>
-                                          <p:spTgt spid="38915">
-                                            <p:txEl>
-                                              <p:pRg st="4" end="4"/>
-                                            </p:txEl>
-                                          </p:spTgt>
-                                        </p:tgtEl>
-                                        <p:attrNameLst>
-                                          <p:attrName>style.visibility</p:attrName>
-                                        </p:attrNameLst>
-                                      </p:cBhvr>
-                                      <p:to>
-                                        <p:strVal val="visible"/>
-                                      </p:to>
-                                    </p:set>
-                                  </p:childTnLst>
-                                </p:cTn>
-                              </p:par>
-                            </p:childTnLst>
-                          </p:cTn>
-                        </p:par>
-                        <p:par>
-                          <p:cTn id="22" fill="hold">
-                            <p:stCondLst>
-                              <p:cond delay="1000"/>
-                            </p:stCondLst>
-                            <p:childTnLst>
-                              <p:par>
-                                <p:cTn id="23" presetID="22" presetClass="entr" presetSubtype="4" fill="hold" grpId="0" nodeType="afterEffect">
-                                  <p:stCondLst>
-                                    <p:cond delay="0"/>
-                                  </p:stCondLst>
-                                  <p:childTnLst>
-                                    <p:set>
-                                      <p:cBhvr>
-                                        <p:cTn id="24" dur="1" fill="hold">
-                                          <p:stCondLst>
-                                            <p:cond delay="0"/>
-                                          </p:stCondLst>
-                                        </p:cTn>
-                                        <p:tgtEl>
-                                          <p:spTgt spid="134153"/>
-                                        </p:tgtEl>
-                                        <p:attrNameLst>
-                                          <p:attrName>style.visibility</p:attrName>
-                                        </p:attrNameLst>
-                                      </p:cBhvr>
-                                      <p:to>
-                                        <p:strVal val="visible"/>
-                                      </p:to>
-                                    </p:set>
-                                    <p:animEffect transition="in" filter="wipe(down)">
-                                      <p:cBhvr>
-                                        <p:cTn id="25" dur="500"/>
-                                        <p:tgtEl>
-                                          <p:spTgt spid="134153"/>
-                                        </p:tgtEl>
-                                      </p:cBhvr>
-                                    </p:animEffect>
-                                  </p:childTnLst>
-                                </p:cTn>
-                              </p:par>
-                            </p:childTnLst>
-                          </p:cTn>
-                        </p:par>
-                        <p:par>
-                          <p:cTn id="26" fill="hold">
-                            <p:stCondLst>
-                              <p:cond delay="1500"/>
-                            </p:stCondLst>
-                            <p:childTnLst>
-                              <p:par>
-                                <p:cTn id="27" presetID="22" presetClass="entr" presetSubtype="4" fill="hold" grpId="0" nodeType="afterEffect">
-                                  <p:stCondLst>
-                                    <p:cond delay="0"/>
-                                  </p:stCondLst>
-                                  <p:childTnLst>
-                                    <p:set>
-                                      <p:cBhvr>
-                                        <p:cTn id="28" dur="1" fill="hold">
-                                          <p:stCondLst>
-                                            <p:cond delay="0"/>
-                                          </p:stCondLst>
-                                        </p:cTn>
-                                        <p:tgtEl>
-                                          <p:spTgt spid="38922"/>
-                                        </p:tgtEl>
-                                        <p:attrNameLst>
-                                          <p:attrName>style.visibility</p:attrName>
-                                        </p:attrNameLst>
-                                      </p:cBhvr>
-                                      <p:to>
-                                        <p:strVal val="visible"/>
-                                      </p:to>
-                                    </p:set>
-                                    <p:animEffect transition="in" filter="wipe(down)">
-                                      <p:cBhvr>
-                                        <p:cTn id="29" dur="500"/>
-                                        <p:tgtEl>
-                                          <p:spTgt spid="38922"/>
-                                        </p:tgtEl>
-                                      </p:cBhvr>
-                                    </p:animEffect>
-                                  </p:childTnLst>
-                                </p:cTn>
-                              </p:par>
-                            </p:childTnLst>
-                          </p:cTn>
-                        </p:par>
-                      </p:childTnLst>
-                    </p:cTn>
-                  </p:par>
-                </p:childTnLst>
-              </p:cTn>
-              <p:prevCondLst>
-                <p:cond evt="onPrev" delay="0">
-                  <p:tgtEl>
-                    <p:sldTgt/>
-                  </p:tgtEl>
-                </p:cond>
-              </p:prevCondLst>
-              <p:nextCondLst>
-                <p:cond evt="onNext" delay="0">
-                  <p:tgtEl>
-                    <p:sldTgt/>
-                  </p:tgtEl>
-                </p:cond>
-              </p:nextCondLst>
-            </p:seq>
-          </p:childTnLst>
-        </p:cTn>
+        <p:cTn xmlns:p14="http://schemas.microsoft.com/office/powerpoint/2010/main" id="1" dur="indefinite" restart="never" nodeType="tmRoot"/>
       </p:par>
     </p:tnLst>
-    <p:bldLst>
-      <p:bldP spid="38919" grpId="0" animBg="1"/>
-      <p:bldP spid="38920" grpId="0"/>
-      <p:bldP spid="134150" grpId="0" animBg="1"/>
-      <p:bldP spid="38922" grpId="0" animBg="1"/>
-      <p:bldP spid="134153" grpId="0" animBg="1"/>
-    </p:bldLst>
   </p:timing>
 </p:sld>
 </file>
